--- a/Presentation/SOC5800_2019_Fall_Presentation.pptx
+++ b/Presentation/SOC5800_2019_Fall_Presentation.pptx
@@ -15,6 +15,8 @@
     <p:sldId id="263" r:id="rId9"/>
     <p:sldId id="264" r:id="rId10"/>
     <p:sldId id="265" r:id="rId11"/>
+    <p:sldId id="266" r:id="rId12"/>
+    <p:sldId id="267" r:id="rId13"/>
   </p:sldIdLst>
   <p:sldSz cx="12192000" cy="6858000"/>
   <p:notesSz cx="6858000" cy="9144000"/>
@@ -113,6 +115,11 @@
       </a:defRPr>
     </a:lvl9pPr>
   </p:defaultTextStyle>
+  <p:extLst>
+    <p:ext uri="{EFAFB233-063F-42B5-8137-9DF3F51BA10A}">
+      <p15:sldGuideLst xmlns:p15="http://schemas.microsoft.com/office/powerpoint/2012/main"/>
+    </p:ext>
+  </p:extLst>
 </p:presentation>
 </file>
 
@@ -161,7 +168,6 @@
               <a:rPr lang="en-US"/>
               <a:t>Click to edit Master title style</a:t>
             </a:r>
-            <a:endParaRPr lang="en-US"/>
           </a:p>
         </p:txBody>
       </p:sp>
@@ -226,7 +232,6 @@
               <a:rPr lang="en-US"/>
               <a:t>Click to edit Master subtitle style</a:t>
             </a:r>
-            <a:endParaRPr lang="en-US"/>
           </a:p>
         </p:txBody>
       </p:sp>
@@ -344,7 +349,6 @@
               <a:rPr lang="en-US"/>
               <a:t>Click to edit Master title style</a:t>
             </a:r>
-            <a:endParaRPr lang="en-US"/>
           </a:p>
         </p:txBody>
       </p:sp>
@@ -396,7 +400,6 @@
               <a:rPr lang="en-US"/>
               <a:t>Fifth level</a:t>
             </a:r>
-            <a:endParaRPr lang="en-US"/>
           </a:p>
         </p:txBody>
       </p:sp>
@@ -519,7 +522,6 @@
               <a:rPr lang="en-US"/>
               <a:t>Click to edit Master title style</a:t>
             </a:r>
-            <a:endParaRPr lang="en-US"/>
           </a:p>
         </p:txBody>
       </p:sp>
@@ -576,7 +578,6 @@
               <a:rPr lang="en-US"/>
               <a:t>Fifth level</a:t>
             </a:r>
-            <a:endParaRPr lang="en-US"/>
           </a:p>
         </p:txBody>
       </p:sp>
@@ -694,7 +695,6 @@
               <a:rPr lang="en-US"/>
               <a:t>Click to edit Master title style</a:t>
             </a:r>
-            <a:endParaRPr lang="en-US"/>
           </a:p>
         </p:txBody>
       </p:sp>
@@ -746,7 +746,6 @@
               <a:rPr lang="en-US"/>
               <a:t>Fifth level</a:t>
             </a:r>
-            <a:endParaRPr lang="en-US"/>
           </a:p>
         </p:txBody>
       </p:sp>
@@ -873,7 +872,6 @@
               <a:rPr lang="en-US"/>
               <a:t>Click to edit Master title style</a:t>
             </a:r>
-            <a:endParaRPr lang="en-US"/>
           </a:p>
         </p:txBody>
       </p:sp>
@@ -1110,7 +1108,6 @@
               <a:rPr lang="en-US"/>
               <a:t>Click to edit Master title style</a:t>
             </a:r>
-            <a:endParaRPr lang="en-US"/>
           </a:p>
         </p:txBody>
       </p:sp>
@@ -1167,7 +1164,6 @@
               <a:rPr lang="en-US"/>
               <a:t>Fifth level</a:t>
             </a:r>
-            <a:endParaRPr lang="en-US"/>
           </a:p>
         </p:txBody>
       </p:sp>
@@ -1224,7 +1220,6 @@
               <a:rPr lang="en-US"/>
               <a:t>Fifth level</a:t>
             </a:r>
-            <a:endParaRPr lang="en-US"/>
           </a:p>
         </p:txBody>
       </p:sp>
@@ -1347,7 +1342,6 @@
               <a:rPr lang="en-US"/>
               <a:t>Click to edit Master title style</a:t>
             </a:r>
-            <a:endParaRPr lang="en-US"/>
           </a:p>
         </p:txBody>
       </p:sp>
@@ -1469,7 +1463,6 @@
               <a:rPr lang="en-US"/>
               <a:t>Fifth level</a:t>
             </a:r>
-            <a:endParaRPr lang="en-US"/>
           </a:p>
         </p:txBody>
       </p:sp>
@@ -1591,7 +1584,6 @@
               <a:rPr lang="en-US"/>
               <a:t>Fifth level</a:t>
             </a:r>
-            <a:endParaRPr lang="en-US"/>
           </a:p>
         </p:txBody>
       </p:sp>
@@ -1709,7 +1701,6 @@
               <a:rPr lang="en-US"/>
               <a:t>Click to edit Master title style</a:t>
             </a:r>
-            <a:endParaRPr lang="en-US"/>
           </a:p>
         </p:txBody>
       </p:sp>
@@ -1931,7 +1922,6 @@
               <a:rPr lang="en-US"/>
               <a:t>Click to edit Master title style</a:t>
             </a:r>
-            <a:endParaRPr lang="en-US"/>
           </a:p>
         </p:txBody>
       </p:sp>
@@ -2016,7 +2006,6 @@
               <a:rPr lang="en-US"/>
               <a:t>Fifth level</a:t>
             </a:r>
-            <a:endParaRPr lang="en-US"/>
           </a:p>
         </p:txBody>
       </p:sp>
@@ -2208,7 +2197,6 @@
               <a:rPr lang="en-US"/>
               <a:t>Click to edit Master title style</a:t>
             </a:r>
-            <a:endParaRPr lang="en-US"/>
           </a:p>
         </p:txBody>
       </p:sp>
@@ -2467,7 +2455,6 @@
               <a:rPr lang="en-US"/>
               <a:t>Click to edit Master title style</a:t>
             </a:r>
-            <a:endParaRPr lang="en-US"/>
           </a:p>
         </p:txBody>
       </p:sp>
@@ -2529,7 +2516,6 @@
               <a:rPr lang="en-US"/>
               <a:t>Fifth level</a:t>
             </a:r>
-            <a:endParaRPr lang="en-US"/>
           </a:p>
         </p:txBody>
       </p:sp>
@@ -3000,7 +2986,6 @@
               <a:rPr lang="en-US" sz="3600" dirty="0"/>
               <a:t>How Formerly Incarcerated Individuals Who Successfully Reintegrated Cope with Barriers to Re-entry</a:t>
             </a:r>
-            <a:endParaRPr lang="en-US" sz="3600" dirty="0"/>
           </a:p>
         </p:txBody>
       </p:sp>
@@ -3096,7 +3081,6 @@
               <a:rPr lang="en-US" sz="2000" dirty="0"/>
               <a:t>Public and Social Policy</a:t>
             </a:r>
-            <a:endParaRPr lang="en-US" sz="2000" dirty="0"/>
           </a:p>
         </p:txBody>
       </p:sp>
@@ -3155,7 +3139,6 @@
               <a:rPr lang="en-US" dirty="0"/>
               <a:t>What contributed the most to helping you re-enter the community after your last incarceration ended?</a:t>
             </a:r>
-            <a:endParaRPr lang="en-US" dirty="0"/>
           </a:p>
         </p:txBody>
       </p:sp>
@@ -3212,7 +3195,6 @@
               <a:rPr lang="en-US" dirty="0"/>
               <a:t>What kind of help did you receive after your last incarceration ended?</a:t>
             </a:r>
-            <a:endParaRPr lang="en-US" dirty="0"/>
           </a:p>
         </p:txBody>
       </p:sp>
@@ -3281,13 +3263,15 @@
       <p:sp>
         <p:nvSpPr>
           <p:cNvPr id="7" name="Oval 6"/>
-          <p:cNvSpPr/>
+          <p:cNvSpPr>
+            <a:spLocks noChangeAspect="1"/>
+          </p:cNvSpPr>
           <p:nvPr/>
         </p:nvSpPr>
         <p:spPr>
           <a:xfrm>
-            <a:off x="1763747" y="1531279"/>
-            <a:ext cx="274320" cy="274320"/>
+            <a:off x="1859283" y="1435743"/>
+            <a:ext cx="182880" cy="182880"/>
           </a:xfrm>
           <a:prstGeom prst="ellipse">
             <a:avLst/>
@@ -3336,13 +3320,15 @@
       <p:sp>
         <p:nvSpPr>
           <p:cNvPr id="8" name="Oval 7"/>
-          <p:cNvSpPr/>
+          <p:cNvSpPr>
+            <a:spLocks noChangeAspect="1"/>
+          </p:cNvSpPr>
           <p:nvPr/>
         </p:nvSpPr>
         <p:spPr>
           <a:xfrm>
-            <a:off x="1763747" y="2798499"/>
-            <a:ext cx="274320" cy="274320"/>
+            <a:off x="1859283" y="2702963"/>
+            <a:ext cx="182880" cy="182880"/>
           </a:xfrm>
           <a:prstGeom prst="ellipse">
             <a:avLst/>
@@ -3391,13 +3377,15 @@
       <p:sp>
         <p:nvSpPr>
           <p:cNvPr id="9" name="Oval 8"/>
-          <p:cNvSpPr/>
+          <p:cNvSpPr>
+            <a:spLocks noChangeAspect="1"/>
+          </p:cNvSpPr>
           <p:nvPr/>
         </p:nvSpPr>
         <p:spPr>
           <a:xfrm>
-            <a:off x="1763747" y="4147470"/>
-            <a:ext cx="274320" cy="274320"/>
+            <a:off x="1859283" y="4188414"/>
+            <a:ext cx="182880" cy="182880"/>
           </a:xfrm>
           <a:prstGeom prst="ellipse">
             <a:avLst/>
@@ -3446,13 +3434,15 @@
       <p:sp>
         <p:nvSpPr>
           <p:cNvPr id="10" name="Oval 9"/>
-          <p:cNvSpPr/>
+          <p:cNvSpPr>
+            <a:spLocks noChangeAspect="1"/>
+          </p:cNvSpPr>
           <p:nvPr/>
         </p:nvSpPr>
         <p:spPr>
           <a:xfrm>
-            <a:off x="1763747" y="5475819"/>
-            <a:ext cx="274320" cy="274320"/>
+            <a:off x="1859283" y="5380283"/>
+            <a:ext cx="182880" cy="182880"/>
           </a:xfrm>
           <a:prstGeom prst="ellipse">
             <a:avLst/>
@@ -3502,6 +3492,396 @@
     <p:extLst>
       <p:ext uri="{BB962C8B-B14F-4D97-AF65-F5344CB8AC3E}">
         <p14:creationId xmlns:p14="http://schemas.microsoft.com/office/powerpoint/2010/main" val="3883062595"/>
+      </p:ext>
+    </p:extLst>
+  </p:cSld>
+  <p:clrMapOvr>
+    <a:masterClrMapping/>
+  </p:clrMapOvr>
+</p:sld>
+</file>
+
+<file path=ppt/slides/slide11.xml><?xml version="1.0" encoding="utf-8"?>
+<p:sld xmlns:a="http://schemas.openxmlformats.org/drawingml/2006/main" xmlns:r="http://schemas.openxmlformats.org/officeDocument/2006/relationships" xmlns:p="http://schemas.openxmlformats.org/presentationml/2006/main">
+  <p:cSld>
+    <p:spTree>
+      <p:nvGrpSpPr>
+        <p:cNvPr id="1" name=""/>
+        <p:cNvGrpSpPr/>
+        <p:nvPr/>
+      </p:nvGrpSpPr>
+      <p:grpSpPr>
+        <a:xfrm>
+          <a:off x="0" y="0"/>
+          <a:ext cx="0" cy="0"/>
+          <a:chOff x="0" y="0"/>
+          <a:chExt cx="0" cy="0"/>
+        </a:xfrm>
+      </p:grpSpPr>
+      <p:sp>
+        <p:nvSpPr>
+          <p:cNvPr id="2" name="Rectangle 1"/>
+          <p:cNvSpPr/>
+          <p:nvPr/>
+        </p:nvSpPr>
+        <p:spPr>
+          <a:xfrm>
+            <a:off x="2174544" y="1483773"/>
+            <a:ext cx="8229600" cy="369332"/>
+          </a:xfrm>
+          <a:prstGeom prst="rect">
+            <a:avLst/>
+          </a:prstGeom>
+        </p:spPr>
+        <p:txBody>
+          <a:bodyPr>
+            <a:spAutoFit/>
+          </a:bodyPr>
+          <a:lstStyle/>
+          <a:p>
+            <a:r>
+              <a:rPr lang="en-US" dirty="0"/>
+              <a:t>Coverage</a:t>
+            </a:r>
+          </a:p>
+        </p:txBody>
+      </p:sp>
+      <p:sp>
+        <p:nvSpPr>
+          <p:cNvPr id="3" name="Rectangle 2"/>
+          <p:cNvSpPr/>
+          <p:nvPr/>
+        </p:nvSpPr>
+        <p:spPr>
+          <a:xfrm>
+            <a:off x="2174544" y="2520580"/>
+            <a:ext cx="8229600" cy="369332"/>
+          </a:xfrm>
+          <a:prstGeom prst="rect">
+            <a:avLst/>
+          </a:prstGeom>
+        </p:spPr>
+        <p:txBody>
+          <a:bodyPr>
+            <a:spAutoFit/>
+          </a:bodyPr>
+          <a:lstStyle/>
+          <a:p>
+            <a:r>
+              <a:rPr lang="en-US" dirty="0"/>
+              <a:t>Survey nonresponse</a:t>
+            </a:r>
+          </a:p>
+        </p:txBody>
+      </p:sp>
+      <p:sp>
+        <p:nvSpPr>
+          <p:cNvPr id="4" name="Rectangle 3"/>
+          <p:cNvSpPr/>
+          <p:nvPr/>
+        </p:nvSpPr>
+        <p:spPr>
+          <a:xfrm>
+            <a:off x="2174544" y="3557388"/>
+            <a:ext cx="8229600" cy="369332"/>
+          </a:xfrm>
+          <a:prstGeom prst="rect">
+            <a:avLst/>
+          </a:prstGeom>
+        </p:spPr>
+        <p:txBody>
+          <a:bodyPr>
+            <a:spAutoFit/>
+          </a:bodyPr>
+          <a:lstStyle/>
+          <a:p>
+            <a:r>
+              <a:rPr lang="en-US" dirty="0"/>
+              <a:t>Operationalizing “successful re-entry”</a:t>
+            </a:r>
+          </a:p>
+        </p:txBody>
+      </p:sp>
+      <p:sp>
+        <p:nvSpPr>
+          <p:cNvPr id="6" name="TextBox 5"/>
+          <p:cNvSpPr txBox="1"/>
+          <p:nvPr/>
+        </p:nvSpPr>
+        <p:spPr>
+          <a:xfrm>
+            <a:off x="1295400" y="457200"/>
+            <a:ext cx="9601200" cy="523220"/>
+          </a:xfrm>
+          <a:prstGeom prst="rect">
+            <a:avLst/>
+          </a:prstGeom>
+          <a:noFill/>
+        </p:spPr>
+        <p:txBody>
+          <a:bodyPr wrap="square" rtlCol="0">
+            <a:spAutoFit/>
+          </a:bodyPr>
+          <a:lstStyle/>
+          <a:p>
+            <a:pPr algn="ctr">
+              <a:spcAft>
+                <a:spcPts val="600"/>
+              </a:spcAft>
+            </a:pPr>
+            <a:r>
+              <a:rPr lang="en-US" sz="2800" dirty="0"/>
+              <a:t>Limitations</a:t>
+            </a:r>
+          </a:p>
+        </p:txBody>
+      </p:sp>
+      <p:sp>
+        <p:nvSpPr>
+          <p:cNvPr id="7" name="Oval 6"/>
+          <p:cNvSpPr>
+            <a:spLocks noChangeAspect="1"/>
+          </p:cNvSpPr>
+          <p:nvPr/>
+        </p:nvSpPr>
+        <p:spPr>
+          <a:xfrm>
+            <a:off x="1763747" y="1531279"/>
+            <a:ext cx="182880" cy="182880"/>
+          </a:xfrm>
+          <a:prstGeom prst="ellipse">
+            <a:avLst/>
+          </a:prstGeom>
+          <a:ln>
+            <a:noFill/>
+          </a:ln>
+          <a:effectLst/>
+          <a:scene3d>
+            <a:camera prst="orthographicFront">
+              <a:rot lat="0" lon="0" rev="0"/>
+            </a:camera>
+            <a:lightRig rig="contrasting" dir="t">
+              <a:rot lat="0" lon="0" rev="7800000"/>
+            </a:lightRig>
+          </a:scene3d>
+          <a:sp3d>
+            <a:bevelT w="139700" h="139700"/>
+          </a:sp3d>
+        </p:spPr>
+        <p:style>
+          <a:lnRef idx="2">
+            <a:schemeClr val="dk1">
+              <a:shade val="50000"/>
+            </a:schemeClr>
+          </a:lnRef>
+          <a:fillRef idx="1">
+            <a:schemeClr val="dk1"/>
+          </a:fillRef>
+          <a:effectRef idx="0">
+            <a:schemeClr val="dk1"/>
+          </a:effectRef>
+          <a:fontRef idx="minor">
+            <a:schemeClr val="lt1"/>
+          </a:fontRef>
+        </p:style>
+        <p:txBody>
+          <a:bodyPr rtlCol="0" anchor="ctr"/>
+          <a:lstStyle/>
+          <a:p>
+            <a:pPr algn="ctr"/>
+            <a:endParaRPr lang="en-US"/>
+          </a:p>
+        </p:txBody>
+      </p:sp>
+      <p:sp>
+        <p:nvSpPr>
+          <p:cNvPr id="8" name="Oval 7"/>
+          <p:cNvSpPr>
+            <a:spLocks noChangeAspect="1"/>
+          </p:cNvSpPr>
+          <p:nvPr/>
+        </p:nvSpPr>
+        <p:spPr>
+          <a:xfrm>
+            <a:off x="1763747" y="2613806"/>
+            <a:ext cx="182880" cy="182880"/>
+          </a:xfrm>
+          <a:prstGeom prst="ellipse">
+            <a:avLst/>
+          </a:prstGeom>
+          <a:ln>
+            <a:noFill/>
+          </a:ln>
+          <a:effectLst/>
+          <a:scene3d>
+            <a:camera prst="orthographicFront">
+              <a:rot lat="0" lon="0" rev="0"/>
+            </a:camera>
+            <a:lightRig rig="contrasting" dir="t">
+              <a:rot lat="0" lon="0" rev="7800000"/>
+            </a:lightRig>
+          </a:scene3d>
+          <a:sp3d>
+            <a:bevelT w="139700" h="139700"/>
+          </a:sp3d>
+        </p:spPr>
+        <p:style>
+          <a:lnRef idx="2">
+            <a:schemeClr val="dk1">
+              <a:shade val="50000"/>
+            </a:schemeClr>
+          </a:lnRef>
+          <a:fillRef idx="1">
+            <a:schemeClr val="dk1"/>
+          </a:fillRef>
+          <a:effectRef idx="0">
+            <a:schemeClr val="dk1"/>
+          </a:effectRef>
+          <a:fontRef idx="minor">
+            <a:schemeClr val="lt1"/>
+          </a:fontRef>
+        </p:style>
+        <p:txBody>
+          <a:bodyPr rtlCol="0" anchor="ctr"/>
+          <a:lstStyle/>
+          <a:p>
+            <a:pPr algn="ctr"/>
+            <a:endParaRPr lang="en-US"/>
+          </a:p>
+        </p:txBody>
+      </p:sp>
+      <p:sp>
+        <p:nvSpPr>
+          <p:cNvPr id="9" name="Oval 8"/>
+          <p:cNvSpPr>
+            <a:spLocks noChangeAspect="1"/>
+          </p:cNvSpPr>
+          <p:nvPr/>
+        </p:nvSpPr>
+        <p:spPr>
+          <a:xfrm>
+            <a:off x="1763747" y="3650614"/>
+            <a:ext cx="182880" cy="182880"/>
+          </a:xfrm>
+          <a:prstGeom prst="ellipse">
+            <a:avLst/>
+          </a:prstGeom>
+          <a:ln>
+            <a:noFill/>
+          </a:ln>
+          <a:effectLst/>
+          <a:scene3d>
+            <a:camera prst="orthographicFront">
+              <a:rot lat="0" lon="0" rev="0"/>
+            </a:camera>
+            <a:lightRig rig="contrasting" dir="t">
+              <a:rot lat="0" lon="0" rev="7800000"/>
+            </a:lightRig>
+          </a:scene3d>
+          <a:sp3d>
+            <a:bevelT w="139700" h="139700"/>
+          </a:sp3d>
+        </p:spPr>
+        <p:style>
+          <a:lnRef idx="2">
+            <a:schemeClr val="dk1">
+              <a:shade val="50000"/>
+            </a:schemeClr>
+          </a:lnRef>
+          <a:fillRef idx="1">
+            <a:schemeClr val="dk1"/>
+          </a:fillRef>
+          <a:effectRef idx="0">
+            <a:schemeClr val="dk1"/>
+          </a:effectRef>
+          <a:fontRef idx="minor">
+            <a:schemeClr val="lt1"/>
+          </a:fontRef>
+        </p:style>
+        <p:txBody>
+          <a:bodyPr rtlCol="0" anchor="ctr"/>
+          <a:lstStyle/>
+          <a:p>
+            <a:pPr algn="ctr"/>
+            <a:endParaRPr lang="en-US"/>
+          </a:p>
+        </p:txBody>
+      </p:sp>
+    </p:spTree>
+    <p:extLst>
+      <p:ext uri="{BB962C8B-B14F-4D97-AF65-F5344CB8AC3E}">
+        <p14:creationId xmlns:p14="http://schemas.microsoft.com/office/powerpoint/2010/main" val="1154486911"/>
+      </p:ext>
+    </p:extLst>
+  </p:cSld>
+  <p:clrMapOvr>
+    <a:masterClrMapping/>
+  </p:clrMapOvr>
+</p:sld>
+</file>
+
+<file path=ppt/slides/slide12.xml><?xml version="1.0" encoding="utf-8"?>
+<p:sld xmlns:a="http://schemas.openxmlformats.org/drawingml/2006/main" xmlns:r="http://schemas.openxmlformats.org/officeDocument/2006/relationships" xmlns:p="http://schemas.openxmlformats.org/presentationml/2006/main">
+  <p:cSld>
+    <p:spTree>
+      <p:nvGrpSpPr>
+        <p:cNvPr id="1" name=""/>
+        <p:cNvGrpSpPr/>
+        <p:nvPr/>
+      </p:nvGrpSpPr>
+      <p:grpSpPr>
+        <a:xfrm>
+          <a:off x="0" y="0"/>
+          <a:ext cx="0" cy="0"/>
+          <a:chOff x="0" y="0"/>
+          <a:chExt cx="0" cy="0"/>
+        </a:xfrm>
+      </p:grpSpPr>
+      <p:sp>
+        <p:nvSpPr>
+          <p:cNvPr id="2" name="Title 1"/>
+          <p:cNvSpPr>
+            <a:spLocks noGrp="1"/>
+          </p:cNvSpPr>
+          <p:nvPr>
+            <p:ph type="title"/>
+          </p:nvPr>
+        </p:nvSpPr>
+        <p:spPr/>
+        <p:txBody>
+          <a:bodyPr/>
+          <a:lstStyle/>
+          <a:p>
+            <a:r>
+              <a:rPr lang="en-US" dirty="0"/>
+              <a:t>Questions and Discussion</a:t>
+            </a:r>
+          </a:p>
+        </p:txBody>
+      </p:sp>
+      <p:sp>
+        <p:nvSpPr>
+          <p:cNvPr id="3" name="Text Placeholder 2"/>
+          <p:cNvSpPr>
+            <a:spLocks noGrp="1"/>
+          </p:cNvSpPr>
+          <p:nvPr>
+            <p:ph type="body" idx="1"/>
+          </p:nvPr>
+        </p:nvSpPr>
+        <p:spPr/>
+        <p:txBody>
+          <a:bodyPr/>
+          <a:lstStyle/>
+          <a:p>
+            <a:endParaRPr lang="en-US"/>
+          </a:p>
+        </p:txBody>
+      </p:sp>
+    </p:spTree>
+    <p:extLst>
+      <p:ext uri="{BB962C8B-B14F-4D97-AF65-F5344CB8AC3E}">
+        <p14:creationId xmlns:p14="http://schemas.microsoft.com/office/powerpoint/2010/main" val="946566325"/>
       </p:ext>
     </p:extLst>
   </p:cSld>
@@ -3774,7 +4154,6 @@
               <a:rPr lang="en-US" sz="2800" dirty="0"/>
               <a:t>Each year in the United States, an estimated 600,000 individuals are released from state and federal prisons and more than 5,000,000 former offenders are under some form of community supervision </a:t>
             </a:r>
-            <a:endParaRPr lang="en-US" sz="2800" dirty="0"/>
           </a:p>
         </p:txBody>
       </p:sp>
@@ -3889,7 +4268,6 @@
               <a:rPr lang="en-US" dirty="0"/>
               <a:t>Is there an association between successful community re-entry and use of various types of assistance programs?</a:t>
             </a:r>
-            <a:endParaRPr lang="en-US" dirty="0"/>
           </a:p>
         </p:txBody>
       </p:sp>
@@ -3918,7 +4296,6 @@
               <a:rPr lang="en-US" dirty="0"/>
               <a:t>Is there an association between successful community re-entry and prior inmate traits and ideological indicators?</a:t>
             </a:r>
-            <a:endParaRPr lang="en-US" dirty="0"/>
           </a:p>
         </p:txBody>
       </p:sp>
@@ -3959,13 +4336,15 @@
       <p:sp>
         <p:nvSpPr>
           <p:cNvPr id="7" name="Oval 6"/>
-          <p:cNvSpPr/>
+          <p:cNvSpPr>
+            <a:spLocks noChangeAspect="1"/>
+          </p:cNvSpPr>
           <p:nvPr/>
         </p:nvSpPr>
         <p:spPr>
           <a:xfrm>
-            <a:off x="1021080" y="1557605"/>
-            <a:ext cx="274320" cy="274320"/>
+            <a:off x="1198504" y="1458537"/>
+            <a:ext cx="182880" cy="182880"/>
           </a:xfrm>
           <a:prstGeom prst="ellipse">
             <a:avLst/>
@@ -4014,13 +4393,15 @@
       <p:sp>
         <p:nvSpPr>
           <p:cNvPr id="8" name="Oval 7"/>
-          <p:cNvSpPr/>
+          <p:cNvSpPr>
+            <a:spLocks noChangeAspect="1"/>
+          </p:cNvSpPr>
           <p:nvPr/>
         </p:nvSpPr>
         <p:spPr>
           <a:xfrm>
-            <a:off x="1021080" y="2785551"/>
-            <a:ext cx="274320" cy="274320"/>
+            <a:off x="1198504" y="2692345"/>
+            <a:ext cx="182880" cy="182880"/>
           </a:xfrm>
           <a:prstGeom prst="ellipse">
             <a:avLst/>
@@ -4069,13 +4450,15 @@
       <p:sp>
         <p:nvSpPr>
           <p:cNvPr id="9" name="Oval 8"/>
-          <p:cNvSpPr/>
+          <p:cNvSpPr>
+            <a:spLocks noChangeAspect="1"/>
+          </p:cNvSpPr>
           <p:nvPr/>
         </p:nvSpPr>
         <p:spPr>
           <a:xfrm>
-            <a:off x="1021080" y="4013497"/>
-            <a:ext cx="274320" cy="274320"/>
+            <a:off x="1198504" y="3931609"/>
+            <a:ext cx="182880" cy="182880"/>
           </a:xfrm>
           <a:prstGeom prst="ellipse">
             <a:avLst/>
@@ -4124,13 +4507,15 @@
       <p:sp>
         <p:nvSpPr>
           <p:cNvPr id="10" name="Oval 9"/>
-          <p:cNvSpPr/>
+          <p:cNvSpPr>
+            <a:spLocks noChangeAspect="1"/>
+          </p:cNvSpPr>
           <p:nvPr/>
         </p:nvSpPr>
         <p:spPr>
           <a:xfrm>
-            <a:off x="1021080" y="5241443"/>
-            <a:ext cx="274320" cy="274320"/>
+            <a:off x="1198504" y="5173203"/>
+            <a:ext cx="182880" cy="182880"/>
           </a:xfrm>
           <a:prstGeom prst="ellipse">
             <a:avLst/>
@@ -16076,7 +16461,6 @@
               <a:rPr lang="en-US" sz="2000" dirty="0"/>
               <a:t>` by `savings` groups </a:t>
             </a:r>
-            <a:endParaRPr lang="en-US" sz="2000" dirty="0"/>
           </a:p>
         </p:txBody>
       </p:sp>

--- a/Presentation/SOC5800_2019_Fall_Presentation.pptx
+++ b/Presentation/SOC5800_2019_Fall_Presentation.pptx
@@ -10,13 +10,14 @@
     <p:sldId id="258" r:id="rId4"/>
     <p:sldId id="259" r:id="rId5"/>
     <p:sldId id="260" r:id="rId6"/>
-    <p:sldId id="261" r:id="rId7"/>
-    <p:sldId id="262" r:id="rId8"/>
-    <p:sldId id="263" r:id="rId9"/>
-    <p:sldId id="264" r:id="rId10"/>
-    <p:sldId id="265" r:id="rId11"/>
-    <p:sldId id="266" r:id="rId12"/>
-    <p:sldId id="267" r:id="rId13"/>
+    <p:sldId id="268" r:id="rId7"/>
+    <p:sldId id="261" r:id="rId8"/>
+    <p:sldId id="262" r:id="rId9"/>
+    <p:sldId id="263" r:id="rId10"/>
+    <p:sldId id="264" r:id="rId11"/>
+    <p:sldId id="265" r:id="rId12"/>
+    <p:sldId id="266" r:id="rId13"/>
+    <p:sldId id="267" r:id="rId14"/>
   </p:sldIdLst>
   <p:sldSz cx="12192000" cy="6858000"/>
   <p:notesSz cx="6858000" cy="9144000"/>
@@ -252,7 +253,7 @@
           <a:p>
             <a:fld id="{28F64813-D1E7-44F4-A0BA-131F190214B0}" type="datetimeFigureOut">
               <a:rPr lang="en-US" smtClean="0"/>
-              <a:t>11/24/2019</a:t>
+              <a:t>11/26/2019</a:t>
             </a:fld>
             <a:endParaRPr lang="en-US"/>
           </a:p>
@@ -420,7 +421,7 @@
           <a:p>
             <a:fld id="{28F64813-D1E7-44F4-A0BA-131F190214B0}" type="datetimeFigureOut">
               <a:rPr lang="en-US" smtClean="0"/>
-              <a:t>11/24/2019</a:t>
+              <a:t>11/26/2019</a:t>
             </a:fld>
             <a:endParaRPr lang="en-US"/>
           </a:p>
@@ -598,7 +599,7 @@
           <a:p>
             <a:fld id="{28F64813-D1E7-44F4-A0BA-131F190214B0}" type="datetimeFigureOut">
               <a:rPr lang="en-US" smtClean="0"/>
-              <a:t>11/24/2019</a:t>
+              <a:t>11/26/2019</a:t>
             </a:fld>
             <a:endParaRPr lang="en-US"/>
           </a:p>
@@ -766,7 +767,7 @@
           <a:p>
             <a:fld id="{28F64813-D1E7-44F4-A0BA-131F190214B0}" type="datetimeFigureOut">
               <a:rPr lang="en-US" smtClean="0"/>
-              <a:t>11/24/2019</a:t>
+              <a:t>11/26/2019</a:t>
             </a:fld>
             <a:endParaRPr lang="en-US"/>
           </a:p>
@@ -1011,7 +1012,7 @@
           <a:p>
             <a:fld id="{28F64813-D1E7-44F4-A0BA-131F190214B0}" type="datetimeFigureOut">
               <a:rPr lang="en-US" smtClean="0"/>
-              <a:t>11/24/2019</a:t>
+              <a:t>11/26/2019</a:t>
             </a:fld>
             <a:endParaRPr lang="en-US"/>
           </a:p>
@@ -1240,7 +1241,7 @@
           <a:p>
             <a:fld id="{28F64813-D1E7-44F4-A0BA-131F190214B0}" type="datetimeFigureOut">
               <a:rPr lang="en-US" smtClean="0"/>
-              <a:t>11/24/2019</a:t>
+              <a:t>11/26/2019</a:t>
             </a:fld>
             <a:endParaRPr lang="en-US"/>
           </a:p>
@@ -1604,7 +1605,7 @@
           <a:p>
             <a:fld id="{28F64813-D1E7-44F4-A0BA-131F190214B0}" type="datetimeFigureOut">
               <a:rPr lang="en-US" smtClean="0"/>
-              <a:t>11/24/2019</a:t>
+              <a:t>11/26/2019</a:t>
             </a:fld>
             <a:endParaRPr lang="en-US"/>
           </a:p>
@@ -1721,7 +1722,7 @@
           <a:p>
             <a:fld id="{28F64813-D1E7-44F4-A0BA-131F190214B0}" type="datetimeFigureOut">
               <a:rPr lang="en-US" smtClean="0"/>
-              <a:t>11/24/2019</a:t>
+              <a:t>11/26/2019</a:t>
             </a:fld>
             <a:endParaRPr lang="en-US"/>
           </a:p>
@@ -1816,7 +1817,7 @@
           <a:p>
             <a:fld id="{28F64813-D1E7-44F4-A0BA-131F190214B0}" type="datetimeFigureOut">
               <a:rPr lang="en-US" smtClean="0"/>
-              <a:t>11/24/2019</a:t>
+              <a:t>11/26/2019</a:t>
             </a:fld>
             <a:endParaRPr lang="en-US"/>
           </a:p>
@@ -2091,7 +2092,7 @@
           <a:p>
             <a:fld id="{28F64813-D1E7-44F4-A0BA-131F190214B0}" type="datetimeFigureOut">
               <a:rPr lang="en-US" smtClean="0"/>
-              <a:t>11/24/2019</a:t>
+              <a:t>11/26/2019</a:t>
             </a:fld>
             <a:endParaRPr lang="en-US"/>
           </a:p>
@@ -2343,7 +2344,7 @@
           <a:p>
             <a:fld id="{28F64813-D1E7-44F4-A0BA-131F190214B0}" type="datetimeFigureOut">
               <a:rPr lang="en-US" smtClean="0"/>
-              <a:t>11/24/2019</a:t>
+              <a:t>11/26/2019</a:t>
             </a:fld>
             <a:endParaRPr lang="en-US"/>
           </a:p>
@@ -2554,7 +2555,7 @@
           <a:p>
             <a:fld id="{28F64813-D1E7-44F4-A0BA-131F190214B0}" type="datetimeFigureOut">
               <a:rPr lang="en-US" smtClean="0"/>
-              <a:t>11/24/2019</a:t>
+              <a:t>11/26/2019</a:t>
             </a:fld>
             <a:endParaRPr lang="en-US"/>
           </a:p>
@@ -3114,6 +3115,97 @@
           <a:chExt cx="0" cy="0"/>
         </a:xfrm>
       </p:grpSpPr>
+      <p:pic>
+        <p:nvPicPr>
+          <p:cNvPr id="2" name="Picture 1"/>
+          <p:cNvPicPr preferRelativeResize="0">
+            <a:picLocks noChangeAspect="1"/>
+          </p:cNvPicPr>
+          <p:nvPr/>
+        </p:nvPicPr>
+        <p:blipFill>
+          <a:blip r:embed="rId2"/>
+          <a:stretch>
+            <a:fillRect/>
+          </a:stretch>
+        </p:blipFill>
+        <p:spPr>
+          <a:xfrm>
+            <a:off x="1251517" y="1637730"/>
+            <a:ext cx="9688967" cy="2866029"/>
+          </a:xfrm>
+          <a:prstGeom prst="rect">
+            <a:avLst/>
+          </a:prstGeom>
+        </p:spPr>
+      </p:pic>
+      <p:sp>
+        <p:nvSpPr>
+          <p:cNvPr id="3" name="Rectangle 2"/>
+          <p:cNvSpPr/>
+          <p:nvPr/>
+        </p:nvSpPr>
+        <p:spPr>
+          <a:xfrm>
+            <a:off x="2817090" y="457200"/>
+            <a:ext cx="6557821" cy="400110"/>
+          </a:xfrm>
+          <a:prstGeom prst="rect">
+            <a:avLst/>
+          </a:prstGeom>
+        </p:spPr>
+        <p:txBody>
+          <a:bodyPr wrap="none">
+            <a:spAutoFit/>
+          </a:bodyPr>
+          <a:lstStyle/>
+          <a:p>
+            <a:pPr algn="ctr"/>
+            <a:r>
+              <a:rPr lang="en-US" sz="2000" dirty="0"/>
+              <a:t>Table 3. Analysis of Variance of `</a:t>
+            </a:r>
+            <a:r>
+              <a:rPr lang="en-US" sz="2000" dirty="0" err="1"/>
+              <a:t>gritScore</a:t>
+            </a:r>
+            <a:r>
+              <a:rPr lang="en-US" sz="2000" dirty="0"/>
+              <a:t>` by `savings` groups </a:t>
+            </a:r>
+          </a:p>
+        </p:txBody>
+      </p:sp>
+    </p:spTree>
+    <p:extLst>
+      <p:ext uri="{BB962C8B-B14F-4D97-AF65-F5344CB8AC3E}">
+        <p14:creationId xmlns:p14="http://schemas.microsoft.com/office/powerpoint/2010/main" val="3796738035"/>
+      </p:ext>
+    </p:extLst>
+  </p:cSld>
+  <p:clrMapOvr>
+    <a:masterClrMapping/>
+  </p:clrMapOvr>
+</p:sld>
+</file>
+
+<file path=ppt/slides/slide11.xml><?xml version="1.0" encoding="utf-8"?>
+<p:sld xmlns:a="http://schemas.openxmlformats.org/drawingml/2006/main" xmlns:r="http://schemas.openxmlformats.org/officeDocument/2006/relationships" xmlns:p="http://schemas.openxmlformats.org/presentationml/2006/main">
+  <p:cSld>
+    <p:spTree>
+      <p:nvGrpSpPr>
+        <p:cNvPr id="1" name=""/>
+        <p:cNvGrpSpPr/>
+        <p:nvPr/>
+      </p:nvGrpSpPr>
+      <p:grpSpPr>
+        <a:xfrm>
+          <a:off x="0" y="0"/>
+          <a:ext cx="0" cy="0"/>
+          <a:chOff x="0" y="0"/>
+          <a:chExt cx="0" cy="0"/>
+        </a:xfrm>
+      </p:grpSpPr>
       <p:sp>
         <p:nvSpPr>
           <p:cNvPr id="2" name="Rectangle 1"/>
@@ -3501,7 +3593,7 @@
 </p:sld>
 </file>
 
-<file path=ppt/slides/slide11.xml><?xml version="1.0" encoding="utf-8"?>
+<file path=ppt/slides/slide12.xml><?xml version="1.0" encoding="utf-8"?>
 <p:sld xmlns:a="http://schemas.openxmlformats.org/drawingml/2006/main" xmlns:r="http://schemas.openxmlformats.org/officeDocument/2006/relationships" xmlns:p="http://schemas.openxmlformats.org/presentationml/2006/main">
   <p:cSld>
     <p:spTree>
@@ -3820,7 +3912,7 @@
 </p:sld>
 </file>
 
-<file path=ppt/slides/slide12.xml><?xml version="1.0" encoding="utf-8"?>
+<file path=ppt/slides/slide13.xml><?xml version="1.0" encoding="utf-8"?>
 <p:sld xmlns:a="http://schemas.openxmlformats.org/drawingml/2006/main" xmlns:r="http://schemas.openxmlformats.org/officeDocument/2006/relationships" xmlns:p="http://schemas.openxmlformats.org/presentationml/2006/main">
   <p:cSld>
     <p:spTree>
@@ -4677,6 +4769,247 @@
           <p:nvPr/>
         </p:nvPicPr>
         <p:blipFill>
+          <a:blip r:embed="rId2">
+            <a:extLst>
+              <a:ext uri="{28A0092B-C50C-407E-A947-70E740481C1C}">
+                <a14:useLocalDpi xmlns:a14="http://schemas.microsoft.com/office/drawing/2010/main" val="0"/>
+              </a:ext>
+            </a:extLst>
+          </a:blip>
+          <a:stretch>
+            <a:fillRect/>
+          </a:stretch>
+        </p:blipFill>
+        <p:spPr>
+          <a:xfrm>
+            <a:off x="1035065" y="417708"/>
+            <a:ext cx="3681825" cy="2743200"/>
+          </a:xfrm>
+          <a:prstGeom prst="rect">
+            <a:avLst/>
+          </a:prstGeom>
+          <a:ln>
+            <a:solidFill>
+              <a:schemeClr val="bg1">
+                <a:lumMod val="75000"/>
+              </a:schemeClr>
+            </a:solidFill>
+          </a:ln>
+        </p:spPr>
+      </p:pic>
+      <p:pic>
+        <p:nvPicPr>
+          <p:cNvPr id="3" name="Picture 2"/>
+          <p:cNvPicPr>
+            <a:picLocks noChangeAspect="1"/>
+          </p:cNvPicPr>
+          <p:nvPr/>
+        </p:nvPicPr>
+        <p:blipFill>
+          <a:blip r:embed="rId3">
+            <a:extLst>
+              <a:ext uri="{28A0092B-C50C-407E-A947-70E740481C1C}">
+                <a14:useLocalDpi xmlns:a14="http://schemas.microsoft.com/office/drawing/2010/main" val="0"/>
+              </a:ext>
+            </a:extLst>
+          </a:blip>
+          <a:stretch>
+            <a:fillRect/>
+          </a:stretch>
+        </p:blipFill>
+        <p:spPr>
+          <a:xfrm>
+            <a:off x="4835031" y="417708"/>
+            <a:ext cx="2323966" cy="3291840"/>
+          </a:xfrm>
+          <a:prstGeom prst="rect">
+            <a:avLst/>
+          </a:prstGeom>
+          <a:ln>
+            <a:solidFill>
+              <a:schemeClr val="bg1">
+                <a:lumMod val="75000"/>
+              </a:schemeClr>
+            </a:solidFill>
+          </a:ln>
+        </p:spPr>
+      </p:pic>
+      <p:pic>
+        <p:nvPicPr>
+          <p:cNvPr id="4" name="Picture 3"/>
+          <p:cNvPicPr>
+            <a:picLocks noChangeAspect="1"/>
+          </p:cNvPicPr>
+          <p:nvPr/>
+        </p:nvPicPr>
+        <p:blipFill>
+          <a:blip r:embed="rId4">
+            <a:extLst>
+              <a:ext uri="{28A0092B-C50C-407E-A947-70E740481C1C}">
+                <a14:useLocalDpi xmlns:a14="http://schemas.microsoft.com/office/drawing/2010/main" val="0"/>
+              </a:ext>
+            </a:extLst>
+          </a:blip>
+          <a:stretch>
+            <a:fillRect/>
+          </a:stretch>
+        </p:blipFill>
+        <p:spPr>
+          <a:xfrm>
+            <a:off x="7277138" y="417708"/>
+            <a:ext cx="4781280" cy="2651760"/>
+          </a:xfrm>
+          <a:prstGeom prst="rect">
+            <a:avLst/>
+          </a:prstGeom>
+        </p:spPr>
+      </p:pic>
+      <p:pic>
+        <p:nvPicPr>
+          <p:cNvPr id="5" name="Picture 4"/>
+          <p:cNvPicPr>
+            <a:picLocks noChangeAspect="1"/>
+          </p:cNvPicPr>
+          <p:nvPr/>
+        </p:nvPicPr>
+        <p:blipFill>
+          <a:blip r:embed="rId5">
+            <a:extLst>
+              <a:ext uri="{28A0092B-C50C-407E-A947-70E740481C1C}">
+                <a14:useLocalDpi xmlns:a14="http://schemas.microsoft.com/office/drawing/2010/main" val="0"/>
+              </a:ext>
+            </a:extLst>
+          </a:blip>
+          <a:stretch>
+            <a:fillRect/>
+          </a:stretch>
+        </p:blipFill>
+        <p:spPr>
+          <a:xfrm>
+            <a:off x="1035065" y="3961339"/>
+            <a:ext cx="4572000" cy="2286000"/>
+          </a:xfrm>
+          <a:prstGeom prst="rect">
+            <a:avLst/>
+          </a:prstGeom>
+        </p:spPr>
+      </p:pic>
+      <p:pic>
+        <p:nvPicPr>
+          <p:cNvPr id="7" name="Picture 6"/>
+          <p:cNvPicPr>
+            <a:picLocks noChangeAspect="1"/>
+          </p:cNvPicPr>
+          <p:nvPr/>
+        </p:nvPicPr>
+        <p:blipFill>
+          <a:blip r:embed="rId6"/>
+          <a:stretch>
+            <a:fillRect/>
+          </a:stretch>
+        </p:blipFill>
+        <p:spPr>
+          <a:xfrm>
+            <a:off x="7670875" y="3709548"/>
+            <a:ext cx="2188396" cy="1371600"/>
+          </a:xfrm>
+          <a:prstGeom prst="rect">
+            <a:avLst/>
+          </a:prstGeom>
+        </p:spPr>
+      </p:pic>
+      <p:pic>
+        <p:nvPicPr>
+          <p:cNvPr id="8" name="Picture 7"/>
+          <p:cNvPicPr>
+            <a:picLocks noChangeAspect="1"/>
+          </p:cNvPicPr>
+          <p:nvPr/>
+        </p:nvPicPr>
+        <p:blipFill>
+          <a:blip r:embed="rId7">
+            <a:extLst>
+              <a:ext uri="{28A0092B-C50C-407E-A947-70E740481C1C}">
+                <a14:useLocalDpi xmlns:a14="http://schemas.microsoft.com/office/drawing/2010/main" val="0"/>
+              </a:ext>
+            </a:extLst>
+          </a:blip>
+          <a:stretch>
+            <a:fillRect/>
+          </a:stretch>
+        </p:blipFill>
+        <p:spPr>
+          <a:xfrm>
+            <a:off x="10085272" y="3275539"/>
+            <a:ext cx="1828800" cy="1828800"/>
+          </a:xfrm>
+          <a:prstGeom prst="rect">
+            <a:avLst/>
+          </a:prstGeom>
+        </p:spPr>
+      </p:pic>
+      <p:pic>
+        <p:nvPicPr>
+          <p:cNvPr id="9" name="Picture 8"/>
+          <p:cNvPicPr>
+            <a:picLocks noChangeAspect="1"/>
+          </p:cNvPicPr>
+          <p:nvPr/>
+        </p:nvPicPr>
+        <p:blipFill rotWithShape="1">
+          <a:blip r:embed="rId8"/>
+          <a:srcRect t="12377"/>
+          <a:stretch/>
+        </p:blipFill>
+        <p:spPr>
+          <a:xfrm>
+            <a:off x="9169445" y="5152443"/>
+            <a:ext cx="1600200" cy="1602452"/>
+          </a:xfrm>
+          <a:prstGeom prst="rect">
+            <a:avLst/>
+          </a:prstGeom>
+        </p:spPr>
+      </p:pic>
+    </p:spTree>
+    <p:extLst>
+      <p:ext uri="{BB962C8B-B14F-4D97-AF65-F5344CB8AC3E}">
+        <p14:creationId xmlns:p14="http://schemas.microsoft.com/office/powerpoint/2010/main" val="2878829234"/>
+      </p:ext>
+    </p:extLst>
+  </p:cSld>
+  <p:clrMapOvr>
+    <a:masterClrMapping/>
+  </p:clrMapOvr>
+</p:sld>
+</file>
+
+<file path=ppt/slides/slide7.xml><?xml version="1.0" encoding="utf-8"?>
+<p:sld xmlns:a="http://schemas.openxmlformats.org/drawingml/2006/main" xmlns:r="http://schemas.openxmlformats.org/officeDocument/2006/relationships" xmlns:p="http://schemas.openxmlformats.org/presentationml/2006/main">
+  <p:cSld>
+    <p:spTree>
+      <p:nvGrpSpPr>
+        <p:cNvPr id="1" name=""/>
+        <p:cNvGrpSpPr/>
+        <p:nvPr/>
+      </p:nvGrpSpPr>
+      <p:grpSpPr>
+        <a:xfrm>
+          <a:off x="0" y="0"/>
+          <a:ext cx="0" cy="0"/>
+          <a:chOff x="0" y="0"/>
+          <a:chExt cx="0" cy="0"/>
+        </a:xfrm>
+      </p:grpSpPr>
+      <p:pic>
+        <p:nvPicPr>
+          <p:cNvPr id="2" name="Picture 1"/>
+          <p:cNvPicPr>
+            <a:picLocks noChangeAspect="1"/>
+          </p:cNvPicPr>
+          <p:nvPr/>
+        </p:nvPicPr>
+        <p:blipFill>
           <a:blip r:embed="rId2"/>
           <a:stretch>
             <a:fillRect/>
@@ -4766,7 +5099,7 @@
 </p:sld>
 </file>
 
-<file path=ppt/slides/slide7.xml><?xml version="1.0" encoding="utf-8"?>
+<file path=ppt/slides/slide8.xml><?xml version="1.0" encoding="utf-8"?>
 <p:sld xmlns:a="http://schemas.openxmlformats.org/drawingml/2006/main" xmlns:r="http://schemas.openxmlformats.org/officeDocument/2006/relationships" xmlns:p="http://schemas.openxmlformats.org/presentationml/2006/main">
   <p:cSld>
     <p:spTree>
@@ -7701,7 +8034,7 @@
 </p:sld>
 </file>
 
-<file path=ppt/slides/slide8.xml><?xml version="1.0" encoding="utf-8"?>
+<file path=ppt/slides/slide9.xml><?xml version="1.0" encoding="utf-8"?>
 <p:sld xmlns:a="http://schemas.openxmlformats.org/drawingml/2006/main" xmlns:r="http://schemas.openxmlformats.org/officeDocument/2006/relationships" xmlns:p="http://schemas.openxmlformats.org/presentationml/2006/main">
   <p:cSld>
     <p:spTree>
@@ -16377,97 +16710,6 @@
     <p:extLst>
       <p:ext uri="{BB962C8B-B14F-4D97-AF65-F5344CB8AC3E}">
         <p14:creationId xmlns:p14="http://schemas.microsoft.com/office/powerpoint/2010/main" val="30550172"/>
-      </p:ext>
-    </p:extLst>
-  </p:cSld>
-  <p:clrMapOvr>
-    <a:masterClrMapping/>
-  </p:clrMapOvr>
-</p:sld>
-</file>
-
-<file path=ppt/slides/slide9.xml><?xml version="1.0" encoding="utf-8"?>
-<p:sld xmlns:a="http://schemas.openxmlformats.org/drawingml/2006/main" xmlns:r="http://schemas.openxmlformats.org/officeDocument/2006/relationships" xmlns:p="http://schemas.openxmlformats.org/presentationml/2006/main">
-  <p:cSld>
-    <p:spTree>
-      <p:nvGrpSpPr>
-        <p:cNvPr id="1" name=""/>
-        <p:cNvGrpSpPr/>
-        <p:nvPr/>
-      </p:nvGrpSpPr>
-      <p:grpSpPr>
-        <a:xfrm>
-          <a:off x="0" y="0"/>
-          <a:ext cx="0" cy="0"/>
-          <a:chOff x="0" y="0"/>
-          <a:chExt cx="0" cy="0"/>
-        </a:xfrm>
-      </p:grpSpPr>
-      <p:pic>
-        <p:nvPicPr>
-          <p:cNvPr id="2" name="Picture 1"/>
-          <p:cNvPicPr preferRelativeResize="0">
-            <a:picLocks noChangeAspect="1"/>
-          </p:cNvPicPr>
-          <p:nvPr/>
-        </p:nvPicPr>
-        <p:blipFill>
-          <a:blip r:embed="rId2"/>
-          <a:stretch>
-            <a:fillRect/>
-          </a:stretch>
-        </p:blipFill>
-        <p:spPr>
-          <a:xfrm>
-            <a:off x="1251517" y="1637730"/>
-            <a:ext cx="9688967" cy="2866029"/>
-          </a:xfrm>
-          <a:prstGeom prst="rect">
-            <a:avLst/>
-          </a:prstGeom>
-        </p:spPr>
-      </p:pic>
-      <p:sp>
-        <p:nvSpPr>
-          <p:cNvPr id="3" name="Rectangle 2"/>
-          <p:cNvSpPr/>
-          <p:nvPr/>
-        </p:nvSpPr>
-        <p:spPr>
-          <a:xfrm>
-            <a:off x="2817090" y="457200"/>
-            <a:ext cx="6557821" cy="400110"/>
-          </a:xfrm>
-          <a:prstGeom prst="rect">
-            <a:avLst/>
-          </a:prstGeom>
-        </p:spPr>
-        <p:txBody>
-          <a:bodyPr wrap="none">
-            <a:spAutoFit/>
-          </a:bodyPr>
-          <a:lstStyle/>
-          <a:p>
-            <a:pPr algn="ctr"/>
-            <a:r>
-              <a:rPr lang="en-US" sz="2000" dirty="0"/>
-              <a:t>Table 3. Analysis of Variance of `</a:t>
-            </a:r>
-            <a:r>
-              <a:rPr lang="en-US" sz="2000" dirty="0" err="1"/>
-              <a:t>gritScore</a:t>
-            </a:r>
-            <a:r>
-              <a:rPr lang="en-US" sz="2000" dirty="0"/>
-              <a:t>` by `savings` groups </a:t>
-            </a:r>
-          </a:p>
-        </p:txBody>
-      </p:sp>
-    </p:spTree>
-    <p:extLst>
-      <p:ext uri="{BB962C8B-B14F-4D97-AF65-F5344CB8AC3E}">
-        <p14:creationId xmlns:p14="http://schemas.microsoft.com/office/powerpoint/2010/main" val="3796738035"/>
       </p:ext>
     </p:extLst>
   </p:cSld>
